--- a/client/art/appIcon.pptx
+++ b/client/art/appIcon.pptx
@@ -288,7 +288,7 @@
           <a:p>
             <a:fld id="{CBB53E74-E3EB-4142-B421-94DD3204CAD0}" type="datetimeFigureOut">
               <a:rPr lang="en-US" smtClean="0"/>
-              <a:t>4/26/14</a:t>
+              <a:t>5/14/14</a:t>
             </a:fld>
             <a:endParaRPr lang="en-US"/>
           </a:p>
@@ -458,7 +458,7 @@
           <a:p>
             <a:fld id="{CBB53E74-E3EB-4142-B421-94DD3204CAD0}" type="datetimeFigureOut">
               <a:rPr lang="en-US" smtClean="0"/>
-              <a:t>4/26/14</a:t>
+              <a:t>5/14/14</a:t>
             </a:fld>
             <a:endParaRPr lang="en-US"/>
           </a:p>
@@ -638,7 +638,7 @@
           <a:p>
             <a:fld id="{CBB53E74-E3EB-4142-B421-94DD3204CAD0}" type="datetimeFigureOut">
               <a:rPr lang="en-US" smtClean="0"/>
-              <a:t>4/26/14</a:t>
+              <a:t>5/14/14</a:t>
             </a:fld>
             <a:endParaRPr lang="en-US"/>
           </a:p>
@@ -808,7 +808,7 @@
           <a:p>
             <a:fld id="{CBB53E74-E3EB-4142-B421-94DD3204CAD0}" type="datetimeFigureOut">
               <a:rPr lang="en-US" smtClean="0"/>
-              <a:t>4/26/14</a:t>
+              <a:t>5/14/14</a:t>
             </a:fld>
             <a:endParaRPr lang="en-US"/>
           </a:p>
@@ -1054,7 +1054,7 @@
           <a:p>
             <a:fld id="{CBB53E74-E3EB-4142-B421-94DD3204CAD0}" type="datetimeFigureOut">
               <a:rPr lang="en-US" smtClean="0"/>
-              <a:t>4/26/14</a:t>
+              <a:t>5/14/14</a:t>
             </a:fld>
             <a:endParaRPr lang="en-US"/>
           </a:p>
@@ -1342,7 +1342,7 @@
           <a:p>
             <a:fld id="{CBB53E74-E3EB-4142-B421-94DD3204CAD0}" type="datetimeFigureOut">
               <a:rPr lang="en-US" smtClean="0"/>
-              <a:t>4/26/14</a:t>
+              <a:t>5/14/14</a:t>
             </a:fld>
             <a:endParaRPr lang="en-US"/>
           </a:p>
@@ -1769,7 +1769,7 @@
           <a:p>
             <a:fld id="{CBB53E74-E3EB-4142-B421-94DD3204CAD0}" type="datetimeFigureOut">
               <a:rPr lang="en-US" smtClean="0"/>
-              <a:t>4/26/14</a:t>
+              <a:t>5/14/14</a:t>
             </a:fld>
             <a:endParaRPr lang="en-US"/>
           </a:p>
@@ -1887,7 +1887,7 @@
           <a:p>
             <a:fld id="{CBB53E74-E3EB-4142-B421-94DD3204CAD0}" type="datetimeFigureOut">
               <a:rPr lang="en-US" smtClean="0"/>
-              <a:t>4/26/14</a:t>
+              <a:t>5/14/14</a:t>
             </a:fld>
             <a:endParaRPr lang="en-US"/>
           </a:p>
@@ -1982,7 +1982,7 @@
           <a:p>
             <a:fld id="{CBB53E74-E3EB-4142-B421-94DD3204CAD0}" type="datetimeFigureOut">
               <a:rPr lang="en-US" smtClean="0"/>
-              <a:t>4/26/14</a:t>
+              <a:t>5/14/14</a:t>
             </a:fld>
             <a:endParaRPr lang="en-US"/>
           </a:p>
@@ -2259,7 +2259,7 @@
           <a:p>
             <a:fld id="{CBB53E74-E3EB-4142-B421-94DD3204CAD0}" type="datetimeFigureOut">
               <a:rPr lang="en-US" smtClean="0"/>
-              <a:t>4/26/14</a:t>
+              <a:t>5/14/14</a:t>
             </a:fld>
             <a:endParaRPr lang="en-US"/>
           </a:p>
@@ -2512,7 +2512,7 @@
           <a:p>
             <a:fld id="{CBB53E74-E3EB-4142-B421-94DD3204CAD0}" type="datetimeFigureOut">
               <a:rPr lang="en-US" smtClean="0"/>
-              <a:t>4/26/14</a:t>
+              <a:t>5/14/14</a:t>
             </a:fld>
             <a:endParaRPr lang="en-US"/>
           </a:p>
@@ -2725,7 +2725,7 @@
           <a:p>
             <a:fld id="{CBB53E74-E3EB-4142-B421-94DD3204CAD0}" type="datetimeFigureOut">
               <a:rPr lang="en-US" smtClean="0"/>
-              <a:t>4/26/14</a:t>
+              <a:t>5/14/14</a:t>
             </a:fld>
             <a:endParaRPr lang="en-US"/>
           </a:p>
@@ -3100,131 +3100,69 @@
           <a:chExt cx="0" cy="0"/>
         </a:xfrm>
       </p:grpSpPr>
-      <p:grpSp>
-        <p:nvGrpSpPr>
-          <p:cNvPr id="20" name="Group 19"/>
-          <p:cNvGrpSpPr/>
+      <p:sp>
+        <p:nvSpPr>
+          <p:cNvPr id="21" name="Rounded Rectangle 20"/>
+          <p:cNvSpPr/>
           <p:nvPr/>
-        </p:nvGrpSpPr>
-        <p:grpSpPr>
+        </p:nvSpPr>
+        <p:spPr>
           <a:xfrm>
             <a:off x="318" y="318"/>
             <a:ext cx="4846320" cy="4846320"/>
-            <a:chOff x="1601702" y="964777"/>
-            <a:chExt cx="4862308" cy="4794164"/>
           </a:xfrm>
-        </p:grpSpPr>
-        <p:sp>
-          <p:nvSpPr>
-            <p:cNvPr id="21" name="Rounded Rectangle 20"/>
-            <p:cNvSpPr/>
-            <p:nvPr/>
-          </p:nvSpPr>
-          <p:spPr>
-            <a:xfrm>
-              <a:off x="1601702" y="964777"/>
-              <a:ext cx="4862308" cy="4576110"/>
-            </a:xfrm>
-            <a:prstGeom prst="roundRect">
-              <a:avLst>
-                <a:gd name="adj" fmla="val 0"/>
-              </a:avLst>
-            </a:prstGeom>
-            <a:solidFill>
-              <a:srgbClr val="F7F7F7"/>
-            </a:solidFill>
-            <a:ln>
-              <a:noFill/>
-            </a:ln>
-            <a:effectLst/>
-          </p:spPr>
-          <p:style>
-            <a:lnRef idx="1">
-              <a:schemeClr val="accent1"/>
-            </a:lnRef>
-            <a:fillRef idx="3">
-              <a:schemeClr val="accent1"/>
-            </a:fillRef>
-            <a:effectRef idx="2">
-              <a:schemeClr val="accent1"/>
-            </a:effectRef>
-            <a:fontRef idx="minor">
-              <a:schemeClr val="lt1"/>
-            </a:fontRef>
-          </p:style>
-          <p:txBody>
-            <a:bodyPr tIns="0" bIns="0" rtlCol="0" anchor="b"/>
-            <a:lstStyle/>
-            <a:p>
-              <a:pPr algn="ctr"/>
-              <a:r>
-                <a:rPr lang="en-US" sz="34400" dirty="0">
-                  <a:solidFill>
-                    <a:srgbClr val="E0FF00"/>
-                  </a:solidFill>
-                  <a:effectLst>
-                    <a:innerShdw blurRad="63500" dist="50800" dir="13500000">
-                      <a:srgbClr val="000000">
-                        <a:alpha val="50000"/>
-                      </a:srgbClr>
-                    </a:innerShdw>
-                  </a:effectLst>
-                  <a:latin typeface="Athelas Italic"/>
-                  <a:cs typeface="Athelas Italic"/>
-                </a:rPr>
-                <a:t>L</a:t>
-              </a:r>
-            </a:p>
-          </p:txBody>
-        </p:sp>
-        <p:sp>
-          <p:nvSpPr>
-            <p:cNvPr id="22" name="Rounded Rectangle 21"/>
-            <p:cNvSpPr/>
-            <p:nvPr/>
-          </p:nvSpPr>
-          <p:spPr>
-            <a:xfrm>
-              <a:off x="1601702" y="5540887"/>
-              <a:ext cx="4862308" cy="218054"/>
-            </a:xfrm>
-            <a:prstGeom prst="roundRect">
-              <a:avLst>
-                <a:gd name="adj" fmla="val 0"/>
-              </a:avLst>
-            </a:prstGeom>
-            <a:solidFill>
-              <a:srgbClr val="BDBEC2"/>
-            </a:solidFill>
-            <a:ln>
-              <a:noFill/>
-            </a:ln>
-            <a:effectLst/>
-          </p:spPr>
-          <p:style>
-            <a:lnRef idx="1">
-              <a:schemeClr val="accent1"/>
-            </a:lnRef>
-            <a:fillRef idx="3">
-              <a:schemeClr val="accent1"/>
-            </a:fillRef>
-            <a:effectRef idx="2">
-              <a:schemeClr val="accent1"/>
-            </a:effectRef>
-            <a:fontRef idx="minor">
-              <a:schemeClr val="lt1"/>
-            </a:fontRef>
-          </p:style>
-          <p:txBody>
-            <a:bodyPr rtlCol="0" anchor="ctr"/>
-            <a:lstStyle/>
-            <a:p>
-              <a:pPr algn="ctr"/>
-              <a:endParaRPr lang="en-US"/>
-            </a:p>
-          </p:txBody>
-        </p:sp>
-      </p:grpSp>
+          <a:prstGeom prst="roundRect">
+            <a:avLst>
+              <a:gd name="adj" fmla="val 0"/>
+            </a:avLst>
+          </a:prstGeom>
+          <a:solidFill>
+            <a:srgbClr val="F7F7F7"/>
+          </a:solidFill>
+          <a:ln>
+            <a:noFill/>
+          </a:ln>
+          <a:effectLst/>
+        </p:spPr>
+        <p:style>
+          <a:lnRef idx="1">
+            <a:schemeClr val="accent1"/>
+          </a:lnRef>
+          <a:fillRef idx="3">
+            <a:schemeClr val="accent1"/>
+          </a:fillRef>
+          <a:effectRef idx="2">
+            <a:schemeClr val="accent1"/>
+          </a:effectRef>
+          <a:fontRef idx="minor">
+            <a:schemeClr val="lt1"/>
+          </a:fontRef>
+        </p:style>
+        <p:txBody>
+          <a:bodyPr tIns="0" bIns="0" rtlCol="0" anchor="b"/>
+          <a:lstStyle/>
+          <a:p>
+            <a:pPr algn="ctr"/>
+            <a:r>
+              <a:rPr lang="en-US" sz="37400" dirty="0">
+                <a:solidFill>
+                  <a:srgbClr val="E0FF00"/>
+                </a:solidFill>
+                <a:effectLst>
+                  <a:innerShdw blurRad="63500" dist="50800" dir="13500000">
+                    <a:srgbClr val="000000">
+                      <a:alpha val="50000"/>
+                    </a:srgbClr>
+                  </a:innerShdw>
+                </a:effectLst>
+                <a:latin typeface="Athelas Italic"/>
+                <a:cs typeface="Athelas Italic"/>
+              </a:rPr>
+              <a:t>L</a:t>
+            </a:r>
+          </a:p>
+        </p:txBody>
+      </p:sp>
     </p:spTree>
     <p:extLst>
       <p:ext uri="{BB962C8B-B14F-4D97-AF65-F5344CB8AC3E}">
